--- a/技术分享-胡伟.pptx
+++ b/技术分享-胡伟.pptx
@@ -2301,8 +2301,8 @@
         </p:nvSpPr>
         <p:spPr>
           <a:xfrm>
-            <a:off x="297720" y="2748633"/>
-            <a:ext cx="7589520" cy="430887"/>
+            <a:off x="1215445" y="2779411"/>
+            <a:ext cx="5807147" cy="369332"/>
           </a:xfrm>
           <a:prstGeom prst="rect">
             <a:avLst/>
@@ -2313,53 +2313,15 @@
           </a:ln>
         </p:spPr>
         <p:txBody>
-          <a:bodyPr lIns="0" tIns="0" rIns="0" bIns="0" anchor="ctr">
+          <a:bodyPr wrap="square" lIns="0" tIns="0" rIns="0" bIns="0" anchor="ctr">
             <a:spAutoFit/>
           </a:bodyPr>
           <a:lstStyle/>
           <a:p>
             <a:pPr algn="ctr"/>
             <a:r>
-              <a:rPr lang="en-US" sz="2200" b="0" strike="noStrike" spc="-1" dirty="0" err="1" smtClean="0">
-                <a:latin typeface="Arial"/>
-              </a:rPr>
-              <a:t>世上本没有坑</a:t>
-            </a:r>
-            <a:r>
-              <a:rPr lang="en-US" sz="2200" spc="-1" dirty="0" err="1">
-                <a:latin typeface="Arial"/>
-              </a:rPr>
-              <a:t>，</a:t>
-            </a:r>
-            <a:r>
-              <a:rPr lang="en-US" sz="2200" b="0" strike="noStrike" spc="-1" dirty="0" err="1" smtClean="0">
-                <a:latin typeface="Arial"/>
-              </a:rPr>
-              <a:t>写的人多了</a:t>
-            </a:r>
-            <a:r>
-              <a:rPr lang="en-US" sz="2200" spc="-1" dirty="0" err="1">
-                <a:latin typeface="Arial"/>
-              </a:rPr>
-              <a:t>，</a:t>
-            </a:r>
-            <a:r>
-              <a:rPr lang="en-US" sz="2200" b="0" strike="noStrike" spc="-1" dirty="0" err="1" smtClean="0">
-                <a:latin typeface="Arial"/>
-              </a:rPr>
-              <a:t>也就成了坑</a:t>
-            </a:r>
-            <a:r>
-              <a:rPr lang="en-US" sz="2200" b="0" strike="noStrike" spc="-1" dirty="0" smtClean="0">
-                <a:latin typeface="Arial"/>
-              </a:rPr>
-              <a:t>。</a:t>
-            </a:r>
-            <a:r>
-              <a:rPr lang="en-US" sz="2800" b="0" strike="noStrike" spc="-1" dirty="0" smtClean="0">
-                <a:latin typeface="Arial"/>
-              </a:rPr>
-              <a:t>                                               </a:t>
+              <a:rPr lang="zh-CN" altLang="en-US" sz="2400" dirty="0"/>
+              <a:t>好的软件的作用是让复杂的东西看起来简单。</a:t>
             </a:r>
             <a:endParaRPr lang="en-US" sz="2800" b="0" strike="noStrike" spc="-1" dirty="0">
               <a:latin typeface="Arial"/>
@@ -2369,25 +2331,32 @@
       </p:sp>
       <p:pic>
         <p:nvPicPr>
-          <p:cNvPr id="44" name="图片 43"/>
-          <p:cNvPicPr/>
+          <p:cNvPr id="3" name="图片 2"/>
+          <p:cNvPicPr>
+            <a:picLocks noChangeAspect="1"/>
+          </p:cNvPicPr>
           <p:nvPr/>
         </p:nvPicPr>
         <p:blipFill>
-          <a:blip r:embed="rId2"/>
-          <a:stretch/>
+          <a:blip r:embed="rId2">
+            <a:extLst>
+              <a:ext uri="{28A0092B-C50C-407E-A947-70E740481C1C}">
+                <a14:useLocalDpi xmlns:a14="http://schemas.microsoft.com/office/drawing/2010/main" val="0"/>
+              </a:ext>
+            </a:extLst>
+          </a:blip>
+          <a:stretch>
+            <a:fillRect/>
+          </a:stretch>
         </p:blipFill>
         <p:spPr>
           <a:xfrm>
-            <a:off x="7589520" y="3179520"/>
-            <a:ext cx="2490480" cy="2490480"/>
-          </a:xfrm>
-          <a:prstGeom prst="rect">
-            <a:avLst/>
-          </a:prstGeom>
-          <a:ln>
-            <a:noFill/>
-          </a:ln>
+            <a:off x="7937500" y="3552611"/>
+            <a:ext cx="2143125" cy="2143125"/>
+          </a:xfrm>
+          <a:prstGeom prst="rect">
+            <a:avLst/>
+          </a:prstGeom>
         </p:spPr>
       </p:pic>
     </p:spTree>
@@ -2399,7 +2368,7 @@
     <mc:Choice Requires="p14">
       <p:transition spd="slow" p14:dur="2000"/>
     </mc:Choice>
-    <mc:Fallback xmlns="" xmlns:p15="http://schemas.microsoft.com/office/powerpoint/2012/main">
+    <mc:Fallback xmlns:p15="http://schemas.microsoft.com/office/powerpoint/2012/main" xmlns="">
       <p:transition spd="slow"/>
     </mc:Fallback>
   </mc:AlternateContent>
@@ -3948,7 +3917,7 @@
     <mc:Choice Requires="p14">
       <p:transition spd="slow" p14:dur="2000"/>
     </mc:Choice>
-    <mc:Fallback xmlns="" xmlns:p15="http://schemas.microsoft.com/office/powerpoint/2012/main">
+    <mc:Fallback xmlns:p15="http://schemas.microsoft.com/office/powerpoint/2012/main" xmlns="">
       <p:transition spd="slow"/>
     </mc:Fallback>
   </mc:AlternateContent>
@@ -4082,7 +4051,7 @@
     <mc:Choice Requires="p14">
       <p:transition spd="slow" p14:dur="2000"/>
     </mc:Choice>
-    <mc:Fallback xmlns="" xmlns:p15="http://schemas.microsoft.com/office/powerpoint/2012/main">
+    <mc:Fallback xmlns:p15="http://schemas.microsoft.com/office/powerpoint/2012/main" xmlns="">
       <p:transition spd="slow"/>
     </mc:Fallback>
   </mc:AlternateContent>
@@ -4182,7 +4151,7 @@
     <mc:Choice Requires="p14">
       <p:transition spd="slow" p14:dur="2000"/>
     </mc:Choice>
-    <mc:Fallback xmlns="" xmlns:p15="http://schemas.microsoft.com/office/powerpoint/2012/main">
+    <mc:Fallback xmlns:p15="http://schemas.microsoft.com/office/powerpoint/2012/main" xmlns="">
       <p:transition spd="slow"/>
     </mc:Fallback>
   </mc:AlternateContent>
@@ -4443,7 +4412,7 @@
     <mc:Choice Requires="p14">
       <p:transition spd="slow" p14:dur="2000"/>
     </mc:Choice>
-    <mc:Fallback xmlns="" xmlns:p15="http://schemas.microsoft.com/office/powerpoint/2012/main">
+    <mc:Fallback xmlns:p15="http://schemas.microsoft.com/office/powerpoint/2012/main" xmlns="">
       <p:transition spd="slow"/>
     </mc:Fallback>
   </mc:AlternateContent>
@@ -5503,7 +5472,7 @@
     <mc:Choice Requires="p14">
       <p:transition spd="slow" p14:dur="2000"/>
     </mc:Choice>
-    <mc:Fallback xmlns="" xmlns:p15="http://schemas.microsoft.com/office/powerpoint/2012/main">
+    <mc:Fallback xmlns:p15="http://schemas.microsoft.com/office/powerpoint/2012/main" xmlns="">
       <p:transition spd="slow"/>
     </mc:Fallback>
   </mc:AlternateContent>
@@ -5771,7 +5740,7 @@
     <mc:Choice Requires="p14">
       <p:transition spd="slow" p14:dur="2000"/>
     </mc:Choice>
-    <mc:Fallback xmlns="" xmlns:p15="http://schemas.microsoft.com/office/powerpoint/2012/main">
+    <mc:Fallback xmlns:p15="http://schemas.microsoft.com/office/powerpoint/2012/main" xmlns="">
       <p:transition spd="slow"/>
     </mc:Fallback>
   </mc:AlternateContent>
@@ -6658,7 +6627,7 @@
     <mc:Choice Requires="p14">
       <p:transition spd="slow" p14:dur="2000"/>
     </mc:Choice>
-    <mc:Fallback xmlns="" xmlns:p15="http://schemas.microsoft.com/office/powerpoint/2012/main">
+    <mc:Fallback xmlns:p15="http://schemas.microsoft.com/office/powerpoint/2012/main" xmlns="">
       <p:transition spd="slow"/>
     </mc:Fallback>
   </mc:AlternateContent>
@@ -6849,7 +6818,7 @@
     <mc:Choice Requires="p14">
       <p:transition spd="slow" p14:dur="2000"/>
     </mc:Choice>
-    <mc:Fallback xmlns="" xmlns:p15="http://schemas.microsoft.com/office/powerpoint/2012/main">
+    <mc:Fallback xmlns:p15="http://schemas.microsoft.com/office/powerpoint/2012/main" xmlns="">
       <p:transition spd="slow"/>
     </mc:Fallback>
   </mc:AlternateContent>
@@ -6949,7 +6918,7 @@
     <mc:Choice Requires="p14">
       <p:transition spd="slow" p14:dur="2000"/>
     </mc:Choice>
-    <mc:Fallback xmlns="" xmlns:p15="http://schemas.microsoft.com/office/powerpoint/2012/main">
+    <mc:Fallback xmlns:p15="http://schemas.microsoft.com/office/powerpoint/2012/main" xmlns="">
       <p:transition spd="slow"/>
     </mc:Fallback>
   </mc:AlternateContent>
@@ -7206,7 +7175,7 @@
     <mc:Choice Requires="p14">
       <p:transition spd="slow" p14:dur="2000"/>
     </mc:Choice>
-    <mc:Fallback xmlns="" xmlns:p15="http://schemas.microsoft.com/office/powerpoint/2012/main">
+    <mc:Fallback xmlns:p15="http://schemas.microsoft.com/office/powerpoint/2012/main" xmlns="">
       <p:transition spd="slow"/>
     </mc:Fallback>
   </mc:AlternateContent>
